--- a/docs/diagrams/UiComponentClassDiagram.pptx
+++ b/docs/diagrams/UiComponentClassDiagram.pptx
@@ -208,7 +208,7 @@
           <a:p>
             <a:fld id="{F5CC4B3F-88C1-4FFA-B1B6-F41C21DC6924}" type="datetimeFigureOut">
               <a:rPr lang="en-US" smtClean="0"/>
-              <a:t>1/7/2017</a:t>
+              <a:t>10/29/2018</a:t>
             </a:fld>
             <a:endParaRPr lang="en-US"/>
           </a:p>
@@ -654,7 +654,7 @@
           <a:p>
             <a:fld id="{78C97017-6FC3-485B-9764-EAC9E56C1D49}" type="datetimeFigureOut">
               <a:rPr lang="en-US" smtClean="0"/>
-              <a:t>1/7/2017</a:t>
+              <a:t>10/29/2018</a:t>
             </a:fld>
             <a:endParaRPr lang="en-US"/>
           </a:p>
@@ -822,7 +822,7 @@
           <a:p>
             <a:fld id="{78C97017-6FC3-485B-9764-EAC9E56C1D49}" type="datetimeFigureOut">
               <a:rPr lang="en-US" smtClean="0"/>
-              <a:t>1/7/2017</a:t>
+              <a:t>10/29/2018</a:t>
             </a:fld>
             <a:endParaRPr lang="en-US"/>
           </a:p>
@@ -1000,7 +1000,7 @@
           <a:p>
             <a:fld id="{78C97017-6FC3-485B-9764-EAC9E56C1D49}" type="datetimeFigureOut">
               <a:rPr lang="en-US" smtClean="0"/>
-              <a:t>1/7/2017</a:t>
+              <a:t>10/29/2018</a:t>
             </a:fld>
             <a:endParaRPr lang="en-US"/>
           </a:p>
@@ -1168,7 +1168,7 @@
           <a:p>
             <a:fld id="{78C97017-6FC3-485B-9764-EAC9E56C1D49}" type="datetimeFigureOut">
               <a:rPr lang="en-US" smtClean="0"/>
-              <a:t>1/7/2017</a:t>
+              <a:t>10/29/2018</a:t>
             </a:fld>
             <a:endParaRPr lang="en-US"/>
           </a:p>
@@ -1413,7 +1413,7 @@
           <a:p>
             <a:fld id="{78C97017-6FC3-485B-9764-EAC9E56C1D49}" type="datetimeFigureOut">
               <a:rPr lang="en-US" smtClean="0"/>
-              <a:t>1/7/2017</a:t>
+              <a:t>10/29/2018</a:t>
             </a:fld>
             <a:endParaRPr lang="en-US"/>
           </a:p>
@@ -1698,7 +1698,7 @@
           <a:p>
             <a:fld id="{78C97017-6FC3-485B-9764-EAC9E56C1D49}" type="datetimeFigureOut">
               <a:rPr lang="en-US" smtClean="0"/>
-              <a:t>1/7/2017</a:t>
+              <a:t>10/29/2018</a:t>
             </a:fld>
             <a:endParaRPr lang="en-US"/>
           </a:p>
@@ -2117,7 +2117,7 @@
           <a:p>
             <a:fld id="{78C97017-6FC3-485B-9764-EAC9E56C1D49}" type="datetimeFigureOut">
               <a:rPr lang="en-US" smtClean="0"/>
-              <a:t>1/7/2017</a:t>
+              <a:t>10/29/2018</a:t>
             </a:fld>
             <a:endParaRPr lang="en-US"/>
           </a:p>
@@ -2234,7 +2234,7 @@
           <a:p>
             <a:fld id="{78C97017-6FC3-485B-9764-EAC9E56C1D49}" type="datetimeFigureOut">
               <a:rPr lang="en-US" smtClean="0"/>
-              <a:t>1/7/2017</a:t>
+              <a:t>10/29/2018</a:t>
             </a:fld>
             <a:endParaRPr lang="en-US"/>
           </a:p>
@@ -2329,7 +2329,7 @@
           <a:p>
             <a:fld id="{78C97017-6FC3-485B-9764-EAC9E56C1D49}" type="datetimeFigureOut">
               <a:rPr lang="en-US" smtClean="0"/>
-              <a:t>1/7/2017</a:t>
+              <a:t>10/29/2018</a:t>
             </a:fld>
             <a:endParaRPr lang="en-US"/>
           </a:p>
@@ -2604,7 +2604,7 @@
           <a:p>
             <a:fld id="{78C97017-6FC3-485B-9764-EAC9E56C1D49}" type="datetimeFigureOut">
               <a:rPr lang="en-US" smtClean="0"/>
-              <a:t>1/7/2017</a:t>
+              <a:t>10/29/2018</a:t>
             </a:fld>
             <a:endParaRPr lang="en-US"/>
           </a:p>
@@ -2856,7 +2856,7 @@
           <a:p>
             <a:fld id="{78C97017-6FC3-485B-9764-EAC9E56C1D49}" type="datetimeFigureOut">
               <a:rPr lang="en-US" smtClean="0"/>
-              <a:t>1/7/2017</a:t>
+              <a:t>10/29/2018</a:t>
             </a:fld>
             <a:endParaRPr lang="en-US"/>
           </a:p>
@@ -3067,7 +3067,7 @@
           <a:p>
             <a:fld id="{78C97017-6FC3-485B-9764-EAC9E56C1D49}" type="datetimeFigureOut">
               <a:rPr lang="en-US" smtClean="0"/>
-              <a:t>1/7/2017</a:t>
+              <a:t>10/29/2018</a:t>
             </a:fld>
             <a:endParaRPr lang="en-US"/>
           </a:p>
@@ -3450,8 +3450,8 @@
         </p:nvSpPr>
         <p:spPr>
           <a:xfrm>
-            <a:off x="1217465" y="1447800"/>
-            <a:ext cx="4917083" cy="3962400"/>
+            <a:off x="1219200" y="152400"/>
+            <a:ext cx="4917083" cy="6476996"/>
           </a:xfrm>
           <a:prstGeom prst="roundRect">
             <a:avLst>
@@ -3512,7 +3512,7 @@
         </p:nvSpPr>
         <p:spPr>
           <a:xfrm>
-            <a:off x="2095948" y="2341220"/>
+            <a:off x="2097683" y="1045822"/>
             <a:ext cx="1093635" cy="346760"/>
           </a:xfrm>
           <a:prstGeom prst="rect">
@@ -3572,8 +3572,8 @@
         </p:nvSpPr>
         <p:spPr>
           <a:xfrm>
-            <a:off x="2592528" y="2971800"/>
-            <a:ext cx="1093635" cy="236841"/>
+            <a:off x="2594263" y="1668160"/>
+            <a:ext cx="1139540" cy="236841"/>
           </a:xfrm>
           <a:prstGeom prst="rect">
             <a:avLst/>
@@ -3632,7 +3632,7 @@
         </p:nvSpPr>
         <p:spPr>
           <a:xfrm>
-            <a:off x="2092842" y="1770924"/>
+            <a:off x="2094577" y="475526"/>
             <a:ext cx="1093635" cy="346760"/>
           </a:xfrm>
           <a:prstGeom prst="rect">
@@ -3694,7 +3694,7 @@
         </p:nvCxnSpPr>
         <p:spPr>
           <a:xfrm rot="16200000" flipH="1">
-            <a:off x="2529445" y="2227899"/>
+            <a:off x="2531180" y="932501"/>
             <a:ext cx="223536" cy="3106"/>
           </a:xfrm>
           <a:prstGeom prst="bentConnector3">
@@ -3734,7 +3734,7 @@
         </p:nvSpPr>
         <p:spPr>
           <a:xfrm rot="10800000" flipV="1">
-            <a:off x="5394717" y="2110477"/>
+            <a:off x="5396452" y="815079"/>
             <a:ext cx="270504" cy="175523"/>
           </a:xfrm>
           <a:prstGeom prst="triangle">
@@ -3782,7 +3782,7 @@
         </p:nvCxnSpPr>
         <p:spPr>
           <a:xfrm flipV="1">
-            <a:off x="644735" y="2991937"/>
+            <a:off x="646470" y="1696539"/>
             <a:ext cx="684904" cy="1"/>
           </a:xfrm>
           <a:prstGeom prst="bentConnector3">
@@ -3825,7 +3825,7 @@
         </p:nvSpPr>
         <p:spPr>
           <a:xfrm rot="16200000">
-            <a:off x="5703829" y="2464877"/>
+            <a:off x="5705564" y="1169479"/>
             <a:ext cx="2362201" cy="328045"/>
           </a:xfrm>
           <a:prstGeom prst="roundRect">
@@ -3885,8 +3885,8 @@
         </p:nvSpPr>
         <p:spPr>
           <a:xfrm>
-            <a:off x="2592528" y="3649359"/>
-            <a:ext cx="1093635" cy="236841"/>
+            <a:off x="2594263" y="2286001"/>
+            <a:ext cx="1141270" cy="236841"/>
           </a:xfrm>
           <a:prstGeom prst="rect">
             <a:avLst/>
@@ -3925,7 +3925,7 @@
                   </a:schemeClr>
                 </a:solidFill>
               </a:rPr>
-              <a:t>BrowserPanel</a:t>
+              <a:t>LoadingPanel</a:t>
             </a:r>
             <a:endParaRPr lang="en-SG" sz="1050" b="1" dirty="0">
               <a:solidFill>
@@ -3945,8 +3945,8 @@
         </p:nvSpPr>
         <p:spPr>
           <a:xfrm>
-            <a:off x="2592527" y="4563759"/>
-            <a:ext cx="1093635" cy="236841"/>
+            <a:off x="2594262" y="5609683"/>
+            <a:ext cx="1141273" cy="241841"/>
           </a:xfrm>
           <a:prstGeom prst="rect">
             <a:avLst/>
@@ -3985,7 +3985,7 @@
                   </a:schemeClr>
                 </a:solidFill>
               </a:rPr>
-              <a:t>StatusBarFooter</a:t>
+              <a:t>DatabaseTab</a:t>
             </a:r>
             <a:endParaRPr lang="en-SG" sz="1050" b="1" dirty="0">
               <a:solidFill>
@@ -4005,8 +4005,8 @@
         </p:nvSpPr>
         <p:spPr>
           <a:xfrm>
-            <a:off x="2592526" y="3991960"/>
-            <a:ext cx="1093635" cy="236841"/>
+            <a:off x="2588425" y="4995213"/>
+            <a:ext cx="1147110" cy="241840"/>
           </a:xfrm>
           <a:prstGeom prst="rect">
             <a:avLst/>
@@ -4045,7 +4045,7 @@
                   </a:schemeClr>
                 </a:solidFill>
               </a:rPr>
-              <a:t>PersonListPanel</a:t>
+              <a:t>TakenTab</a:t>
             </a:r>
             <a:endParaRPr lang="en-SG" sz="1050" b="1" dirty="0">
               <a:solidFill>
@@ -4059,14 +4059,14 @@
       </p:sp>
       <p:sp>
         <p:nvSpPr>
-          <p:cNvPr id="37" name="Rectangle 11"/>
+          <p:cNvPr id="38" name="Rectangle 11"/>
           <p:cNvSpPr/>
           <p:nvPr/>
         </p:nvSpPr>
         <p:spPr>
           <a:xfrm>
-            <a:off x="3839323" y="4228801"/>
-            <a:ext cx="1040906" cy="236841"/>
+            <a:off x="2594263" y="6240159"/>
+            <a:ext cx="1093635" cy="236841"/>
           </a:xfrm>
           <a:prstGeom prst="rect">
             <a:avLst/>
@@ -4105,7 +4105,7 @@
                   </a:schemeClr>
                 </a:solidFill>
               </a:rPr>
-              <a:t>PersonCard</a:t>
+              <a:t>HelpWindow</a:t>
             </a:r>
             <a:endParaRPr lang="en-SG" sz="1050" b="1" dirty="0">
               <a:solidFill>
@@ -4119,73 +4119,13 @@
       </p:sp>
       <p:sp>
         <p:nvSpPr>
-          <p:cNvPr id="38" name="Rectangle 11"/>
-          <p:cNvSpPr/>
-          <p:nvPr/>
-        </p:nvSpPr>
-        <p:spPr>
-          <a:xfrm>
-            <a:off x="2592528" y="4966000"/>
-            <a:ext cx="1093635" cy="236841"/>
-          </a:xfrm>
-          <a:prstGeom prst="rect">
-            <a:avLst/>
-          </a:prstGeom>
-          <a:ln w="19050">
-            <a:solidFill>
-              <a:schemeClr val="accent3"/>
-            </a:solidFill>
-          </a:ln>
-          <a:effectLst/>
-        </p:spPr>
-        <p:style>
-          <a:lnRef idx="1">
-            <a:schemeClr val="accent3"/>
-          </a:lnRef>
-          <a:fillRef idx="2">
-            <a:schemeClr val="accent3"/>
-          </a:fillRef>
-          <a:effectRef idx="1">
-            <a:schemeClr val="accent3"/>
-          </a:effectRef>
-          <a:fontRef idx="minor">
-            <a:schemeClr val="dk1"/>
-          </a:fontRef>
-        </p:style>
-        <p:txBody>
-          <a:bodyPr rtlCol="0" anchor="ctr"/>
-          <a:lstStyle/>
-          <a:p>
-            <a:pPr algn="ctr"/>
-            <a:r>
-              <a:rPr lang="en-US" sz="1050" b="1" dirty="0" err="1">
-                <a:solidFill>
-                  <a:schemeClr val="accent3">
-                    <a:lumMod val="75000"/>
-                  </a:schemeClr>
-                </a:solidFill>
-              </a:rPr>
-              <a:t>HelpWindow</a:t>
-            </a:r>
-            <a:endParaRPr lang="en-SG" sz="1050" b="1" dirty="0">
-              <a:solidFill>
-                <a:schemeClr val="accent3">
-                  <a:lumMod val="75000"/>
-                </a:schemeClr>
-              </a:solidFill>
-            </a:endParaRPr>
-          </a:p>
-        </p:txBody>
-      </p:sp>
-      <p:sp>
-        <p:nvSpPr>
           <p:cNvPr id="39" name="Flowchart: Decision 38"/>
           <p:cNvSpPr/>
           <p:nvPr/>
         </p:nvSpPr>
         <p:spPr>
           <a:xfrm>
-            <a:off x="2324548" y="2706452"/>
+            <a:off x="2326283" y="1411054"/>
             <a:ext cx="183156" cy="161573"/>
           </a:xfrm>
           <a:prstGeom prst="flowChartDecision">
@@ -4229,6 +4169,7 @@
         <p:nvCxnSpPr>
           <p:cNvPr id="40" name="Elbow Connector 63"/>
           <p:cNvCxnSpPr>
+            <a:cxnSpLocks/>
             <a:stCxn id="39" idx="2"/>
             <a:endCxn id="3" idx="1"/>
           </p:cNvCxnSpPr>
@@ -4236,8 +4177,8 @@
         </p:nvCxnSpPr>
         <p:spPr>
           <a:xfrm rot="16200000" flipH="1">
-            <a:off x="2393229" y="2890922"/>
-            <a:ext cx="222196" cy="176402"/>
+            <a:off x="2399085" y="1591403"/>
+            <a:ext cx="213954" cy="176402"/>
           </a:xfrm>
           <a:prstGeom prst="bentConnector2">
             <a:avLst/>
@@ -4274,8 +4215,8 @@
         </p:nvSpPr>
         <p:spPr>
           <a:xfrm>
-            <a:off x="2590799" y="3304308"/>
-            <a:ext cx="1095361" cy="236841"/>
+            <a:off x="2592534" y="1981201"/>
+            <a:ext cx="1141270" cy="236841"/>
           </a:xfrm>
           <a:prstGeom prst="rect">
             <a:avLst/>
@@ -4314,7 +4255,7 @@
                   </a:schemeClr>
                 </a:solidFill>
               </a:rPr>
-              <a:t>ResultDisplay</a:t>
+              <a:t>OutputDisplay</a:t>
             </a:r>
             <a:endParaRPr lang="en-SG" sz="1050" b="1" dirty="0">
               <a:solidFill>
@@ -4330,6 +4271,7 @@
         <p:nvCxnSpPr>
           <p:cNvPr id="44" name="Elbow Connector 63"/>
           <p:cNvCxnSpPr>
+            <a:cxnSpLocks/>
             <a:stCxn id="39" idx="2"/>
             <a:endCxn id="34" idx="1"/>
           </p:cNvCxnSpPr>
@@ -4337,8 +4279,8 @@
         </p:nvCxnSpPr>
         <p:spPr>
           <a:xfrm rot="16200000" flipH="1">
-            <a:off x="2054450" y="3229701"/>
-            <a:ext cx="899755" cy="176402"/>
+            <a:off x="2090165" y="1900323"/>
+            <a:ext cx="831795" cy="176402"/>
           </a:xfrm>
           <a:prstGeom prst="bentConnector2">
             <a:avLst/>
@@ -4371,6 +4313,7 @@
         <p:nvCxnSpPr>
           <p:cNvPr id="47" name="Elbow Connector 63"/>
           <p:cNvCxnSpPr>
+            <a:cxnSpLocks/>
             <a:stCxn id="39" idx="2"/>
             <a:endCxn id="36" idx="1"/>
           </p:cNvCxnSpPr>
@@ -4378,8 +4321,8 @@
         </p:nvCxnSpPr>
         <p:spPr>
           <a:xfrm rot="16200000" flipH="1">
-            <a:off x="1883148" y="3401003"/>
-            <a:ext cx="1242356" cy="176400"/>
+            <a:off x="731390" y="3259098"/>
+            <a:ext cx="3543506" cy="170564"/>
           </a:xfrm>
           <a:prstGeom prst="bentConnector2">
             <a:avLst/>
@@ -4412,6 +4355,7 @@
         <p:nvCxnSpPr>
           <p:cNvPr id="50" name="Elbow Connector 63"/>
           <p:cNvCxnSpPr>
+            <a:cxnSpLocks/>
             <a:stCxn id="39" idx="2"/>
             <a:endCxn id="35" idx="1"/>
           </p:cNvCxnSpPr>
@@ -4419,8 +4363,8 @@
         </p:nvCxnSpPr>
         <p:spPr>
           <a:xfrm rot="16200000" flipH="1">
-            <a:off x="1597249" y="3686901"/>
-            <a:ext cx="1814155" cy="176401"/>
+            <a:off x="427073" y="3563414"/>
+            <a:ext cx="4157977" cy="176401"/>
           </a:xfrm>
           <a:prstGeom prst="bentConnector2">
             <a:avLst/>
@@ -4453,14 +4397,15 @@
         <p:nvCxnSpPr>
           <p:cNvPr id="53" name="Elbow Connector 63"/>
           <p:cNvCxnSpPr>
+            <a:cxnSpLocks/>
             <a:endCxn id="38" idx="1"/>
           </p:cNvCxnSpPr>
           <p:nvPr/>
         </p:nvCxnSpPr>
         <p:spPr>
           <a:xfrm rot="16200000" flipH="1">
-            <a:off x="1184119" y="3676012"/>
-            <a:ext cx="2396440" cy="420377"/>
+            <a:off x="-93570" y="3670746"/>
+            <a:ext cx="4980575" cy="395091"/>
           </a:xfrm>
           <a:prstGeom prst="bentConnector2">
             <a:avLst/>
@@ -4497,7 +4442,7 @@
         </p:nvSpPr>
         <p:spPr>
           <a:xfrm>
-            <a:off x="5143948" y="1770924"/>
+            <a:off x="5145683" y="475526"/>
             <a:ext cx="772043" cy="346760"/>
           </a:xfrm>
           <a:prstGeom prst="rect">
@@ -4572,6 +4517,7 @@
         <p:nvCxnSpPr>
           <p:cNvPr id="74" name="Elbow Connector 63"/>
           <p:cNvCxnSpPr>
+            <a:cxnSpLocks/>
             <a:stCxn id="43" idx="3"/>
             <a:endCxn id="16" idx="3"/>
           </p:cNvCxnSpPr>
@@ -4579,8 +4525,8 @@
         </p:nvCxnSpPr>
         <p:spPr>
           <a:xfrm flipV="1">
-            <a:off x="3686160" y="2286000"/>
-            <a:ext cx="1843809" cy="1136729"/>
+            <a:off x="3733804" y="990602"/>
+            <a:ext cx="1797900" cy="1109020"/>
           </a:xfrm>
           <a:prstGeom prst="bentConnector2">
             <a:avLst/>
@@ -4611,49 +4557,9 @@
       </p:cxnSp>
       <p:cxnSp>
         <p:nvCxnSpPr>
-          <p:cNvPr id="77" name="Elbow Connector 63"/>
-          <p:cNvCxnSpPr>
-            <a:stCxn id="16" idx="3"/>
-            <a:endCxn id="37" idx="3"/>
-          </p:cNvCxnSpPr>
-          <p:nvPr/>
-        </p:nvCxnSpPr>
-        <p:spPr>
-          <a:xfrm rot="5400000">
-            <a:off x="4174488" y="2991741"/>
-            <a:ext cx="2061222" cy="649740"/>
-          </a:xfrm>
-          <a:prstGeom prst="bentConnector2">
-            <a:avLst/>
-          </a:prstGeom>
-          <a:ln w="6350">
-            <a:solidFill>
-              <a:schemeClr val="accent3"/>
-            </a:solidFill>
-            <a:headEnd type="none" w="med" len="med"/>
-            <a:tailEnd type="none" w="med" len="med"/>
-          </a:ln>
-          <a:effectLst/>
-        </p:spPr>
-        <p:style>
-          <a:lnRef idx="1">
-            <a:schemeClr val="accent2"/>
-          </a:lnRef>
-          <a:fillRef idx="2">
-            <a:schemeClr val="accent2"/>
-          </a:fillRef>
-          <a:effectRef idx="1">
-            <a:schemeClr val="accent2"/>
-          </a:effectRef>
-          <a:fontRef idx="minor">
-            <a:schemeClr val="dk1"/>
-          </a:fontRef>
-        </p:style>
-      </p:cxnSp>
-      <p:cxnSp>
-        <p:nvCxnSpPr>
           <p:cNvPr id="82" name="Elbow Connector 63"/>
           <p:cNvCxnSpPr>
+            <a:cxnSpLocks/>
             <a:stCxn id="16" idx="3"/>
             <a:endCxn id="34" idx="3"/>
           </p:cNvCxnSpPr>
@@ -4661,8 +4567,8 @@
         </p:nvCxnSpPr>
         <p:spPr>
           <a:xfrm rot="5400000">
-            <a:off x="3867176" y="2104987"/>
-            <a:ext cx="1481780" cy="1843806"/>
+            <a:off x="3926709" y="799427"/>
+            <a:ext cx="1413820" cy="1796171"/>
           </a:xfrm>
           <a:prstGeom prst="bentConnector2">
             <a:avLst/>
@@ -4702,7 +4608,7 @@
         </p:nvCxnSpPr>
         <p:spPr>
           <a:xfrm flipV="1">
-            <a:off x="3189583" y="2286000"/>
+            <a:off x="3191318" y="990602"/>
             <a:ext cx="2340386" cy="228600"/>
           </a:xfrm>
           <a:prstGeom prst="bentConnector2">
@@ -4736,6 +4642,7 @@
         <p:nvCxnSpPr>
           <p:cNvPr id="91" name="Elbow Connector 63"/>
           <p:cNvCxnSpPr>
+            <a:cxnSpLocks/>
             <a:stCxn id="16" idx="3"/>
             <a:endCxn id="35" idx="3"/>
           </p:cNvCxnSpPr>
@@ -4743,8 +4650,8 @@
         </p:nvCxnSpPr>
         <p:spPr>
           <a:xfrm rot="5400000">
-            <a:off x="3409976" y="2562187"/>
-            <a:ext cx="2396180" cy="1843807"/>
+            <a:off x="2263619" y="2462519"/>
+            <a:ext cx="4740002" cy="1796169"/>
           </a:xfrm>
           <a:prstGeom prst="bentConnector2">
             <a:avLst/>
@@ -4784,8 +4691,8 @@
         </p:nvCxnSpPr>
         <p:spPr>
           <a:xfrm rot="5400000">
-            <a:off x="3208856" y="2763307"/>
-            <a:ext cx="2798421" cy="1843806"/>
+            <a:off x="1925812" y="2752688"/>
+            <a:ext cx="5367978" cy="1843806"/>
           </a:xfrm>
           <a:prstGeom prst="bentConnector2">
             <a:avLst/>
@@ -4824,7 +4731,7 @@
         </p:nvCxnSpPr>
         <p:spPr>
           <a:xfrm rot="5400000" flipH="1" flipV="1">
-            <a:off x="4594921" y="-355061"/>
+            <a:off x="4596656" y="-1650459"/>
             <a:ext cx="170724" cy="4081246"/>
           </a:xfrm>
           <a:prstGeom prst="bentConnector2">
@@ -4863,8 +4770,8 @@
         </p:nvSpPr>
         <p:spPr>
           <a:xfrm rot="16200000">
-            <a:off x="6213739" y="4560376"/>
-            <a:ext cx="1371599" cy="328045"/>
+            <a:off x="5732759" y="5116754"/>
+            <a:ext cx="2337031" cy="328045"/>
           </a:xfrm>
           <a:prstGeom prst="roundRect">
             <a:avLst/>
@@ -4923,7 +4830,7 @@
         </p:nvSpPr>
         <p:spPr>
           <a:xfrm rot="16200000">
-            <a:off x="956202" y="2861202"/>
+            <a:off x="957937" y="1565804"/>
             <a:ext cx="1093635" cy="346760"/>
           </a:xfrm>
           <a:prstGeom prst="rect">
@@ -4993,7 +4900,7 @@
         </p:nvSpPr>
         <p:spPr>
           <a:xfrm flipV="1">
-            <a:off x="1367767" y="2286001"/>
+            <a:off x="1369502" y="990603"/>
             <a:ext cx="270504" cy="175523"/>
           </a:xfrm>
           <a:prstGeom prst="triangle">
@@ -5044,7 +4951,7 @@
         </p:nvCxnSpPr>
         <p:spPr>
           <a:xfrm rot="10800000" flipV="1">
-            <a:off x="1503020" y="1944303"/>
+            <a:off x="1504755" y="648905"/>
             <a:ext cx="589823" cy="341697"/>
           </a:xfrm>
           <a:prstGeom prst="bentConnector2">
@@ -5079,6 +4986,7 @@
         <p:nvCxnSpPr>
           <p:cNvPr id="131" name="Elbow Connector 130"/>
           <p:cNvCxnSpPr>
+            <a:cxnSpLocks/>
             <a:stCxn id="39" idx="2"/>
             <a:endCxn id="43" idx="1"/>
           </p:cNvCxnSpPr>
@@ -5086,8 +4994,8 @@
         </p:nvCxnSpPr>
         <p:spPr>
           <a:xfrm rot="16200000" flipH="1">
-            <a:off x="2226110" y="3058040"/>
-            <a:ext cx="554704" cy="174673"/>
+            <a:off x="2241700" y="1748787"/>
+            <a:ext cx="526995" cy="174673"/>
           </a:xfrm>
           <a:prstGeom prst="bentConnector2">
             <a:avLst/>
@@ -5120,6 +5028,7 @@
         <p:nvCxnSpPr>
           <p:cNvPr id="132" name="Elbow Connector 63"/>
           <p:cNvCxnSpPr>
+            <a:cxnSpLocks/>
             <a:stCxn id="16" idx="3"/>
             <a:endCxn id="3" idx="3"/>
           </p:cNvCxnSpPr>
@@ -5127,8 +5036,8 @@
         </p:nvCxnSpPr>
         <p:spPr>
           <a:xfrm rot="5400000">
-            <a:off x="4205956" y="1766207"/>
-            <a:ext cx="804221" cy="1843806"/>
+            <a:off x="4234765" y="489641"/>
+            <a:ext cx="795979" cy="1797901"/>
           </a:xfrm>
           <a:prstGeom prst="bentConnector2">
             <a:avLst/>
@@ -5159,49 +5068,9 @@
       </p:cxnSp>
       <p:cxnSp>
         <p:nvCxnSpPr>
-          <p:cNvPr id="137" name="Elbow Connector 136"/>
-          <p:cNvCxnSpPr>
-            <a:stCxn id="36" idx="2"/>
-            <a:endCxn id="37" idx="1"/>
-          </p:cNvCxnSpPr>
-          <p:nvPr/>
-        </p:nvCxnSpPr>
-        <p:spPr>
-          <a:xfrm rot="16200000" flipH="1">
-            <a:off x="3430123" y="3938021"/>
-            <a:ext cx="118421" cy="699979"/>
-          </a:xfrm>
-          <a:prstGeom prst="bentConnector2">
-            <a:avLst/>
-          </a:prstGeom>
-          <a:ln w="19050">
-            <a:solidFill>
-              <a:schemeClr val="accent3"/>
-            </a:solidFill>
-            <a:headEnd type="none" w="med" len="med"/>
-            <a:tailEnd type="arrow" w="med" len="med"/>
-          </a:ln>
-          <a:effectLst/>
-        </p:spPr>
-        <p:style>
-          <a:lnRef idx="1">
-            <a:schemeClr val="accent2"/>
-          </a:lnRef>
-          <a:fillRef idx="2">
-            <a:schemeClr val="accent2"/>
-          </a:fillRef>
-          <a:effectRef idx="1">
-            <a:schemeClr val="accent2"/>
-          </a:effectRef>
-          <a:fontRef idx="minor">
-            <a:schemeClr val="dk1"/>
-          </a:fontRef>
-        </p:style>
-      </p:cxnSp>
-      <p:cxnSp>
-        <p:nvCxnSpPr>
           <p:cNvPr id="140" name="Elbow Connector 63"/>
           <p:cNvCxnSpPr>
+            <a:cxnSpLocks/>
             <a:stCxn id="16" idx="3"/>
             <a:endCxn id="36" idx="3"/>
           </p:cNvCxnSpPr>
@@ -5209,8 +5078,8 @@
         </p:nvCxnSpPr>
         <p:spPr>
           <a:xfrm rot="5400000">
-            <a:off x="3695875" y="2276286"/>
-            <a:ext cx="1824381" cy="1843808"/>
+            <a:off x="2570855" y="2155283"/>
+            <a:ext cx="4125531" cy="1796169"/>
           </a:xfrm>
           <a:prstGeom prst="bentConnector2">
             <a:avLst/>
@@ -5247,7 +5116,7 @@
         </p:nvSpPr>
         <p:spPr>
           <a:xfrm>
-            <a:off x="5435896" y="2743200"/>
+            <a:off x="5437631" y="1447802"/>
             <a:ext cx="229325" cy="166560"/>
           </a:xfrm>
           <a:prstGeom prst="rect">
@@ -5300,8 +5169,8 @@
         </p:nvSpPr>
         <p:spPr>
           <a:xfrm>
-            <a:off x="3687515" y="2828802"/>
-            <a:ext cx="3048000" cy="203200"/>
+            <a:off x="3678385" y="1457203"/>
+            <a:ext cx="3058865" cy="214435"/>
           </a:xfrm>
           <a:custGeom>
             <a:avLst/>
@@ -5376,46 +5245,43 @@
       </p:sp>
       <p:sp>
         <p:nvSpPr>
-          <p:cNvPr id="144" name="Rectangle 143"/>
+          <p:cNvPr id="46" name="Rectangle 11">
+            <a:extLst>
+              <a:ext uri="{FF2B5EF4-FFF2-40B4-BE49-F238E27FC236}">
+                <a16:creationId xmlns:a16="http://schemas.microsoft.com/office/drawing/2014/main" id="{F9550025-9C09-495B-A7F7-C0CD1F1B68E9}"/>
+              </a:ext>
+            </a:extLst>
+          </p:cNvPr>
           <p:cNvSpPr/>
           <p:nvPr/>
         </p:nvSpPr>
         <p:spPr>
           <a:xfrm>
-            <a:off x="5431573" y="4488138"/>
-            <a:ext cx="229325" cy="160062"/>
+            <a:off x="2588424" y="4385016"/>
+            <a:ext cx="1147109" cy="238056"/>
           </a:xfrm>
           <a:prstGeom prst="rect">
             <a:avLst/>
           </a:prstGeom>
-          <a:solidFill>
-            <a:schemeClr val="accent3">
-              <a:lumMod val="20000"/>
-              <a:lumOff val="80000"/>
-              <a:alpha val="80000"/>
-            </a:schemeClr>
-          </a:solidFill>
-          <a:ln>
-            <a:noFill/>
+          <a:ln w="19050">
+            <a:solidFill>
+              <a:schemeClr val="accent3"/>
+            </a:solidFill>
           </a:ln>
-          <a:effectLst>
-            <a:softEdge rad="31750"/>
-          </a:effectLst>
+          <a:effectLst/>
         </p:spPr>
         <p:style>
-          <a:lnRef idx="2">
-            <a:schemeClr val="accent1">
-              <a:shade val="50000"/>
-            </a:schemeClr>
+          <a:lnRef idx="1">
+            <a:schemeClr val="accent3"/>
           </a:lnRef>
-          <a:fillRef idx="1">
-            <a:schemeClr val="accent1"/>
+          <a:fillRef idx="2">
+            <a:schemeClr val="accent3"/>
           </a:fillRef>
-          <a:effectRef idx="0">
-            <a:schemeClr val="accent1"/>
+          <a:effectRef idx="1">
+            <a:schemeClr val="accent3"/>
           </a:effectRef>
           <a:fontRef idx="minor">
-            <a:schemeClr val="lt1"/>
+            <a:schemeClr val="dk1"/>
           </a:fontRef>
         </p:style>
         <p:txBody>
@@ -5423,20 +5289,204 @@
           <a:lstStyle/>
           <a:p>
             <a:pPr algn="ctr"/>
-            <a:endParaRPr lang="en-SG"/>
-          </a:p>
-        </p:txBody>
-      </p:sp>
-      <p:sp>
-        <p:nvSpPr>
-          <p:cNvPr id="118" name="Freeform 117"/>
+            <a:r>
+              <a:rPr lang="en-US" sz="1050" b="1" dirty="0" err="1">
+                <a:solidFill>
+                  <a:schemeClr val="accent3">
+                    <a:lumMod val="75000"/>
+                  </a:schemeClr>
+                </a:solidFill>
+              </a:rPr>
+              <a:t>StagedTab</a:t>
+            </a:r>
+            <a:endParaRPr lang="en-SG" sz="1050" b="1" dirty="0">
+              <a:solidFill>
+                <a:schemeClr val="accent3">
+                  <a:lumMod val="75000"/>
+                </a:schemeClr>
+              </a:solidFill>
+            </a:endParaRPr>
+          </a:p>
+        </p:txBody>
+      </p:sp>
+      <p:sp>
+        <p:nvSpPr>
+          <p:cNvPr id="66" name="Rectangle 11">
+            <a:extLst>
+              <a:ext uri="{FF2B5EF4-FFF2-40B4-BE49-F238E27FC236}">
+                <a16:creationId xmlns:a16="http://schemas.microsoft.com/office/drawing/2014/main" id="{461BC6CE-6FC9-4934-BD80-BCC3D8E9F9DD}"/>
+              </a:ext>
+            </a:extLst>
+          </p:cNvPr>
           <p:cNvSpPr/>
           <p:nvPr/>
         </p:nvSpPr>
         <p:spPr>
+          <a:xfrm>
+            <a:off x="3996122" y="5859159"/>
+            <a:ext cx="1040906" cy="236841"/>
+          </a:xfrm>
+          <a:prstGeom prst="rect">
+            <a:avLst/>
+          </a:prstGeom>
+          <a:ln w="19050">
+            <a:solidFill>
+              <a:schemeClr val="accent3"/>
+            </a:solidFill>
+          </a:ln>
+          <a:effectLst/>
+        </p:spPr>
+        <p:style>
+          <a:lnRef idx="1">
+            <a:schemeClr val="accent3"/>
+          </a:lnRef>
+          <a:fillRef idx="2">
+            <a:schemeClr val="accent3"/>
+          </a:fillRef>
+          <a:effectRef idx="1">
+            <a:schemeClr val="accent3"/>
+          </a:effectRef>
+          <a:fontRef idx="minor">
+            <a:schemeClr val="dk1"/>
+          </a:fontRef>
+        </p:style>
+        <p:txBody>
+          <a:bodyPr rtlCol="0" anchor="ctr"/>
+          <a:lstStyle/>
+          <a:p>
+            <a:pPr algn="ctr"/>
+            <a:r>
+              <a:rPr lang="en-US" sz="1050" b="1" dirty="0" err="1">
+                <a:solidFill>
+                  <a:schemeClr val="accent3">
+                    <a:lumMod val="75000"/>
+                  </a:schemeClr>
+                </a:solidFill>
+              </a:rPr>
+              <a:t>ModuleCard</a:t>
+            </a:r>
+            <a:endParaRPr lang="en-SG" sz="1050" b="1" dirty="0">
+              <a:solidFill>
+                <a:schemeClr val="accent3">
+                  <a:lumMod val="75000"/>
+                </a:schemeClr>
+              </a:solidFill>
+            </a:endParaRPr>
+          </a:p>
+        </p:txBody>
+      </p:sp>
+      <p:cxnSp>
+        <p:nvCxnSpPr>
+          <p:cNvPr id="67" name="Elbow Connector 63">
+            <a:extLst>
+              <a:ext uri="{FF2B5EF4-FFF2-40B4-BE49-F238E27FC236}">
+                <a16:creationId xmlns:a16="http://schemas.microsoft.com/office/drawing/2014/main" id="{4B805959-35C0-41EA-BA9B-F3E6843D07D2}"/>
+              </a:ext>
+            </a:extLst>
+          </p:cNvPr>
+          <p:cNvCxnSpPr>
+            <a:cxnSpLocks/>
+            <a:stCxn id="16" idx="3"/>
+            <a:endCxn id="66" idx="3"/>
+          </p:cNvCxnSpPr>
+          <p:nvPr/>
+        </p:nvCxnSpPr>
+        <p:spPr>
+          <a:xfrm rot="5400000">
+            <a:off x="2790877" y="3236753"/>
+            <a:ext cx="4986978" cy="494676"/>
+          </a:xfrm>
+          <a:prstGeom prst="bentConnector2">
+            <a:avLst/>
+          </a:prstGeom>
+          <a:ln w="6350">
+            <a:solidFill>
+              <a:schemeClr val="accent3"/>
+            </a:solidFill>
+            <a:headEnd type="none" w="med" len="med"/>
+            <a:tailEnd type="none" w="med" len="med"/>
+          </a:ln>
+          <a:effectLst/>
+        </p:spPr>
+        <p:style>
+          <a:lnRef idx="1">
+            <a:schemeClr val="accent2"/>
+          </a:lnRef>
+          <a:fillRef idx="2">
+            <a:schemeClr val="accent2"/>
+          </a:fillRef>
+          <a:effectRef idx="1">
+            <a:schemeClr val="accent2"/>
+          </a:effectRef>
+          <a:fontRef idx="minor">
+            <a:schemeClr val="dk1"/>
+          </a:fontRef>
+        </p:style>
+      </p:cxnSp>
+      <p:cxnSp>
+        <p:nvCxnSpPr>
+          <p:cNvPr id="68" name="Elbow Connector 136">
+            <a:extLst>
+              <a:ext uri="{FF2B5EF4-FFF2-40B4-BE49-F238E27FC236}">
+                <a16:creationId xmlns:a16="http://schemas.microsoft.com/office/drawing/2014/main" id="{72525A80-832E-4C2D-8175-7BC46E47DE5D}"/>
+              </a:ext>
+            </a:extLst>
+          </p:cNvPr>
+          <p:cNvCxnSpPr>
+            <a:cxnSpLocks/>
+            <a:stCxn id="35" idx="2"/>
+            <a:endCxn id="66" idx="1"/>
+          </p:cNvCxnSpPr>
+          <p:nvPr/>
+        </p:nvCxnSpPr>
+        <p:spPr>
+          <a:xfrm rot="16200000" flipH="1">
+            <a:off x="3517482" y="5498940"/>
+            <a:ext cx="126056" cy="831223"/>
+          </a:xfrm>
+          <a:prstGeom prst="bentConnector2">
+            <a:avLst/>
+          </a:prstGeom>
+          <a:ln w="19050">
+            <a:solidFill>
+              <a:schemeClr val="accent3"/>
+            </a:solidFill>
+            <a:headEnd type="none" w="med" len="med"/>
+            <a:tailEnd type="arrow" w="med" len="med"/>
+          </a:ln>
+          <a:effectLst/>
+        </p:spPr>
+        <p:style>
+          <a:lnRef idx="1">
+            <a:schemeClr val="accent2"/>
+          </a:lnRef>
+          <a:fillRef idx="2">
+            <a:schemeClr val="accent2"/>
+          </a:fillRef>
+          <a:effectRef idx="1">
+            <a:schemeClr val="accent2"/>
+          </a:effectRef>
+          <a:fontRef idx="minor">
+            <a:schemeClr val="dk1"/>
+          </a:fontRef>
+        </p:style>
+      </p:cxnSp>
+      <p:sp>
+        <p:nvSpPr>
+          <p:cNvPr id="69" name="Freeform 117">
+            <a:extLst>
+              <a:ext uri="{FF2B5EF4-FFF2-40B4-BE49-F238E27FC236}">
+                <a16:creationId xmlns:a16="http://schemas.microsoft.com/office/drawing/2014/main" id="{51E01231-5717-461B-AA2B-9B3EB9033A74}"/>
+              </a:ext>
+            </a:extLst>
+          </p:cNvPr>
+          <p:cNvSpPr/>
+          <p:nvPr/>
+        </p:nvSpPr>
+        <p:spPr>
           <a:xfrm flipV="1">
-            <a:off x="4114799" y="4472708"/>
-            <a:ext cx="2642195" cy="101600"/>
+            <a:off x="4116535" y="6098271"/>
+            <a:ext cx="2648287" cy="102504"/>
           </a:xfrm>
           <a:custGeom>
             <a:avLst/>
@@ -5509,6 +5559,1499 @@
           </a:p>
         </p:txBody>
       </p:sp>
+      <p:cxnSp>
+        <p:nvCxnSpPr>
+          <p:cNvPr id="71" name="Elbow Connector 63">
+            <a:extLst>
+              <a:ext uri="{FF2B5EF4-FFF2-40B4-BE49-F238E27FC236}">
+                <a16:creationId xmlns:a16="http://schemas.microsoft.com/office/drawing/2014/main" id="{A3E61B7D-3E40-4047-94F6-513CEB456CAB}"/>
+              </a:ext>
+            </a:extLst>
+          </p:cNvPr>
+          <p:cNvCxnSpPr>
+            <a:cxnSpLocks/>
+            <a:stCxn id="39" idx="2"/>
+            <a:endCxn id="46" idx="1"/>
+          </p:cNvCxnSpPr>
+          <p:nvPr/>
+        </p:nvCxnSpPr>
+        <p:spPr>
+          <a:xfrm rot="16200000" flipH="1">
+            <a:off x="1037434" y="2953053"/>
+            <a:ext cx="2931417" cy="170563"/>
+          </a:xfrm>
+          <a:prstGeom prst="bentConnector2">
+            <a:avLst/>
+          </a:prstGeom>
+          <a:ln w="19050">
+            <a:solidFill>
+              <a:schemeClr val="accent3"/>
+            </a:solidFill>
+            <a:headEnd type="none" w="med" len="med"/>
+            <a:tailEnd type="arrow" w="med" len="med"/>
+          </a:ln>
+          <a:effectLst/>
+        </p:spPr>
+        <p:style>
+          <a:lnRef idx="1">
+            <a:schemeClr val="accent2"/>
+          </a:lnRef>
+          <a:fillRef idx="2">
+            <a:schemeClr val="accent2"/>
+          </a:fillRef>
+          <a:effectRef idx="1">
+            <a:schemeClr val="accent2"/>
+          </a:effectRef>
+          <a:fontRef idx="minor">
+            <a:schemeClr val="dk1"/>
+          </a:fontRef>
+        </p:style>
+      </p:cxnSp>
+      <p:cxnSp>
+        <p:nvCxnSpPr>
+          <p:cNvPr id="83" name="Elbow Connector 63">
+            <a:extLst>
+              <a:ext uri="{FF2B5EF4-FFF2-40B4-BE49-F238E27FC236}">
+                <a16:creationId xmlns:a16="http://schemas.microsoft.com/office/drawing/2014/main" id="{3ACAB9C0-1804-445E-A6A7-0900B5A236A4}"/>
+              </a:ext>
+            </a:extLst>
+          </p:cNvPr>
+          <p:cNvCxnSpPr>
+            <a:cxnSpLocks/>
+            <a:stCxn id="16" idx="3"/>
+            <a:endCxn id="46" idx="3"/>
+          </p:cNvCxnSpPr>
+          <p:nvPr/>
+        </p:nvCxnSpPr>
+        <p:spPr>
+          <a:xfrm rot="5400000">
+            <a:off x="2876898" y="1849238"/>
+            <a:ext cx="3513442" cy="1796171"/>
+          </a:xfrm>
+          <a:prstGeom prst="bentConnector2">
+            <a:avLst/>
+          </a:prstGeom>
+          <a:ln w="6350">
+            <a:solidFill>
+              <a:schemeClr val="accent3"/>
+            </a:solidFill>
+            <a:headEnd type="none" w="med" len="med"/>
+            <a:tailEnd type="none" w="med" len="med"/>
+          </a:ln>
+          <a:effectLst/>
+        </p:spPr>
+        <p:style>
+          <a:lnRef idx="1">
+            <a:schemeClr val="accent2"/>
+          </a:lnRef>
+          <a:fillRef idx="2">
+            <a:schemeClr val="accent2"/>
+          </a:fillRef>
+          <a:effectRef idx="1">
+            <a:schemeClr val="accent2"/>
+          </a:effectRef>
+          <a:fontRef idx="minor">
+            <a:schemeClr val="dk1"/>
+          </a:fontRef>
+        </p:style>
+      </p:cxnSp>
+      <p:sp>
+        <p:nvSpPr>
+          <p:cNvPr id="93" name="Rectangle 11">
+            <a:extLst>
+              <a:ext uri="{FF2B5EF4-FFF2-40B4-BE49-F238E27FC236}">
+                <a16:creationId xmlns:a16="http://schemas.microsoft.com/office/drawing/2014/main" id="{117E0A18-7C02-4ADD-AB45-1D9BDD6DDCE6}"/>
+              </a:ext>
+            </a:extLst>
+          </p:cNvPr>
+          <p:cNvSpPr/>
+          <p:nvPr/>
+        </p:nvSpPr>
+        <p:spPr>
+          <a:xfrm>
+            <a:off x="2592534" y="2590801"/>
+            <a:ext cx="1141270" cy="236841"/>
+          </a:xfrm>
+          <a:prstGeom prst="rect">
+            <a:avLst/>
+          </a:prstGeom>
+          <a:ln w="19050">
+            <a:solidFill>
+              <a:schemeClr val="accent3"/>
+            </a:solidFill>
+          </a:ln>
+          <a:effectLst/>
+        </p:spPr>
+        <p:style>
+          <a:lnRef idx="1">
+            <a:schemeClr val="accent3"/>
+          </a:lnRef>
+          <a:fillRef idx="2">
+            <a:schemeClr val="accent3"/>
+          </a:fillRef>
+          <a:effectRef idx="1">
+            <a:schemeClr val="accent3"/>
+          </a:effectRef>
+          <a:fontRef idx="minor">
+            <a:schemeClr val="dk1"/>
+          </a:fontRef>
+        </p:style>
+        <p:txBody>
+          <a:bodyPr rtlCol="0" anchor="ctr"/>
+          <a:lstStyle/>
+          <a:p>
+            <a:pPr algn="ctr"/>
+            <a:r>
+              <a:rPr lang="en-US" sz="1050" b="1" dirty="0" err="1">
+                <a:solidFill>
+                  <a:schemeClr val="accent3">
+                    <a:lumMod val="75000"/>
+                  </a:schemeClr>
+                </a:solidFill>
+              </a:rPr>
+              <a:t>GenerateDisplay</a:t>
+            </a:r>
+            <a:endParaRPr lang="en-SG" sz="1050" b="1" dirty="0">
+              <a:solidFill>
+                <a:schemeClr val="accent3">
+                  <a:lumMod val="75000"/>
+                </a:schemeClr>
+              </a:solidFill>
+            </a:endParaRPr>
+          </a:p>
+        </p:txBody>
+      </p:sp>
+      <p:cxnSp>
+        <p:nvCxnSpPr>
+          <p:cNvPr id="95" name="Elbow Connector 63">
+            <a:extLst>
+              <a:ext uri="{FF2B5EF4-FFF2-40B4-BE49-F238E27FC236}">
+                <a16:creationId xmlns:a16="http://schemas.microsoft.com/office/drawing/2014/main" id="{F6C3B82F-7745-4FE9-B9B7-4137C393960C}"/>
+              </a:ext>
+            </a:extLst>
+          </p:cNvPr>
+          <p:cNvCxnSpPr>
+            <a:cxnSpLocks/>
+            <a:stCxn id="39" idx="2"/>
+            <a:endCxn id="93" idx="1"/>
+          </p:cNvCxnSpPr>
+          <p:nvPr/>
+        </p:nvCxnSpPr>
+        <p:spPr>
+          <a:xfrm rot="16200000" flipH="1">
+            <a:off x="1936900" y="2053587"/>
+            <a:ext cx="1136595" cy="174673"/>
+          </a:xfrm>
+          <a:prstGeom prst="bentConnector2">
+            <a:avLst/>
+          </a:prstGeom>
+          <a:ln w="19050">
+            <a:solidFill>
+              <a:schemeClr val="accent3"/>
+            </a:solidFill>
+            <a:headEnd type="none" w="med" len="med"/>
+            <a:tailEnd type="arrow" w="med" len="med"/>
+          </a:ln>
+          <a:effectLst/>
+        </p:spPr>
+        <p:style>
+          <a:lnRef idx="1">
+            <a:schemeClr val="accent2"/>
+          </a:lnRef>
+          <a:fillRef idx="2">
+            <a:schemeClr val="accent2"/>
+          </a:fillRef>
+          <a:effectRef idx="1">
+            <a:schemeClr val="accent2"/>
+          </a:effectRef>
+          <a:fontRef idx="minor">
+            <a:schemeClr val="dk1"/>
+          </a:fontRef>
+        </p:style>
+      </p:cxnSp>
+      <p:cxnSp>
+        <p:nvCxnSpPr>
+          <p:cNvPr id="97" name="Elbow Connector 63">
+            <a:extLst>
+              <a:ext uri="{FF2B5EF4-FFF2-40B4-BE49-F238E27FC236}">
+                <a16:creationId xmlns:a16="http://schemas.microsoft.com/office/drawing/2014/main" id="{F73D2B0B-D559-4B4F-B77A-3F16274ADB4A}"/>
+              </a:ext>
+            </a:extLst>
+          </p:cNvPr>
+          <p:cNvCxnSpPr>
+            <a:cxnSpLocks/>
+            <a:stCxn id="16" idx="3"/>
+            <a:endCxn id="93" idx="3"/>
+          </p:cNvCxnSpPr>
+          <p:nvPr/>
+        </p:nvCxnSpPr>
+        <p:spPr>
+          <a:xfrm rot="5400000">
+            <a:off x="3773444" y="950962"/>
+            <a:ext cx="1718620" cy="1797900"/>
+          </a:xfrm>
+          <a:prstGeom prst="bentConnector2">
+            <a:avLst/>
+          </a:prstGeom>
+          <a:ln w="6350">
+            <a:solidFill>
+              <a:schemeClr val="accent3"/>
+            </a:solidFill>
+            <a:headEnd type="none" w="med" len="med"/>
+            <a:tailEnd type="none" w="med" len="med"/>
+          </a:ln>
+          <a:effectLst/>
+        </p:spPr>
+        <p:style>
+          <a:lnRef idx="1">
+            <a:schemeClr val="accent2"/>
+          </a:lnRef>
+          <a:fillRef idx="2">
+            <a:schemeClr val="accent2"/>
+          </a:fillRef>
+          <a:effectRef idx="1">
+            <a:schemeClr val="accent2"/>
+          </a:effectRef>
+          <a:fontRef idx="minor">
+            <a:schemeClr val="dk1"/>
+          </a:fontRef>
+        </p:style>
+      </p:cxnSp>
+      <p:sp>
+        <p:nvSpPr>
+          <p:cNvPr id="105" name="Rectangle 11">
+            <a:extLst>
+              <a:ext uri="{FF2B5EF4-FFF2-40B4-BE49-F238E27FC236}">
+                <a16:creationId xmlns:a16="http://schemas.microsoft.com/office/drawing/2014/main" id="{A29C2099-FFF9-4504-9B22-7F2B32F7A35D}"/>
+              </a:ext>
+            </a:extLst>
+          </p:cNvPr>
+          <p:cNvSpPr/>
+          <p:nvPr/>
+        </p:nvSpPr>
+        <p:spPr>
+          <a:xfrm>
+            <a:off x="2589508" y="2895601"/>
+            <a:ext cx="1141270" cy="236841"/>
+          </a:xfrm>
+          <a:prstGeom prst="rect">
+            <a:avLst/>
+          </a:prstGeom>
+          <a:ln w="19050">
+            <a:solidFill>
+              <a:schemeClr val="accent3"/>
+            </a:solidFill>
+          </a:ln>
+          <a:effectLst/>
+        </p:spPr>
+        <p:style>
+          <a:lnRef idx="1">
+            <a:schemeClr val="accent3"/>
+          </a:lnRef>
+          <a:fillRef idx="2">
+            <a:schemeClr val="accent3"/>
+          </a:fillRef>
+          <a:effectRef idx="1">
+            <a:schemeClr val="accent3"/>
+          </a:effectRef>
+          <a:fontRef idx="minor">
+            <a:schemeClr val="dk1"/>
+          </a:fontRef>
+        </p:style>
+        <p:txBody>
+          <a:bodyPr rtlCol="0" anchor="ctr"/>
+          <a:lstStyle/>
+          <a:p>
+            <a:pPr algn="ctr"/>
+            <a:r>
+              <a:rPr lang="en-US" sz="1050" b="1" dirty="0" err="1">
+                <a:solidFill>
+                  <a:schemeClr val="accent3">
+                    <a:lumMod val="75000"/>
+                  </a:schemeClr>
+                </a:solidFill>
+              </a:rPr>
+              <a:t>SaveDisplay</a:t>
+            </a:r>
+            <a:endParaRPr lang="en-SG" sz="1050" b="1" dirty="0">
+              <a:solidFill>
+                <a:schemeClr val="accent3">
+                  <a:lumMod val="75000"/>
+                </a:schemeClr>
+              </a:solidFill>
+            </a:endParaRPr>
+          </a:p>
+        </p:txBody>
+      </p:sp>
+      <p:cxnSp>
+        <p:nvCxnSpPr>
+          <p:cNvPr id="106" name="Elbow Connector 63">
+            <a:extLst>
+              <a:ext uri="{FF2B5EF4-FFF2-40B4-BE49-F238E27FC236}">
+                <a16:creationId xmlns:a16="http://schemas.microsoft.com/office/drawing/2014/main" id="{60EBC1E0-733A-498B-A430-594854018B00}"/>
+              </a:ext>
+            </a:extLst>
+          </p:cNvPr>
+          <p:cNvCxnSpPr>
+            <a:cxnSpLocks/>
+            <a:stCxn id="39" idx="2"/>
+            <a:endCxn id="105" idx="1"/>
+          </p:cNvCxnSpPr>
+          <p:nvPr/>
+        </p:nvCxnSpPr>
+        <p:spPr>
+          <a:xfrm rot="16200000" flipH="1">
+            <a:off x="1782987" y="2207500"/>
+            <a:ext cx="1441395" cy="171647"/>
+          </a:xfrm>
+          <a:prstGeom prst="bentConnector2">
+            <a:avLst/>
+          </a:prstGeom>
+          <a:ln w="19050">
+            <a:solidFill>
+              <a:schemeClr val="accent3"/>
+            </a:solidFill>
+            <a:headEnd type="none" w="med" len="med"/>
+            <a:tailEnd type="arrow" w="med" len="med"/>
+          </a:ln>
+          <a:effectLst/>
+        </p:spPr>
+        <p:style>
+          <a:lnRef idx="1">
+            <a:schemeClr val="accent2"/>
+          </a:lnRef>
+          <a:fillRef idx="2">
+            <a:schemeClr val="accent2"/>
+          </a:fillRef>
+          <a:effectRef idx="1">
+            <a:schemeClr val="accent2"/>
+          </a:effectRef>
+          <a:fontRef idx="minor">
+            <a:schemeClr val="dk1"/>
+          </a:fontRef>
+        </p:style>
+      </p:cxnSp>
+      <p:cxnSp>
+        <p:nvCxnSpPr>
+          <p:cNvPr id="109" name="Elbow Connector 63">
+            <a:extLst>
+              <a:ext uri="{FF2B5EF4-FFF2-40B4-BE49-F238E27FC236}">
+                <a16:creationId xmlns:a16="http://schemas.microsoft.com/office/drawing/2014/main" id="{65FE1C5E-C553-43F6-B08B-43A8F9B99D52}"/>
+              </a:ext>
+            </a:extLst>
+          </p:cNvPr>
+          <p:cNvCxnSpPr>
+            <a:cxnSpLocks/>
+            <a:stCxn id="16" idx="3"/>
+            <a:endCxn id="105" idx="3"/>
+          </p:cNvCxnSpPr>
+          <p:nvPr/>
+        </p:nvCxnSpPr>
+        <p:spPr>
+          <a:xfrm rot="5400000">
+            <a:off x="3619531" y="1101849"/>
+            <a:ext cx="2023420" cy="1800926"/>
+          </a:xfrm>
+          <a:prstGeom prst="bentConnector2">
+            <a:avLst/>
+          </a:prstGeom>
+          <a:ln w="6350">
+            <a:solidFill>
+              <a:schemeClr val="accent3"/>
+            </a:solidFill>
+            <a:headEnd type="none" w="med" len="med"/>
+            <a:tailEnd type="none" w="med" len="med"/>
+          </a:ln>
+          <a:effectLst/>
+        </p:spPr>
+        <p:style>
+          <a:lnRef idx="1">
+            <a:schemeClr val="accent2"/>
+          </a:lnRef>
+          <a:fillRef idx="2">
+            <a:schemeClr val="accent2"/>
+          </a:fillRef>
+          <a:effectRef idx="1">
+            <a:schemeClr val="accent2"/>
+          </a:effectRef>
+          <a:fontRef idx="minor">
+            <a:schemeClr val="dk1"/>
+          </a:fontRef>
+        </p:style>
+      </p:cxnSp>
+      <p:sp>
+        <p:nvSpPr>
+          <p:cNvPr id="85" name="Rectangle 11">
+            <a:extLst>
+              <a:ext uri="{FF2B5EF4-FFF2-40B4-BE49-F238E27FC236}">
+                <a16:creationId xmlns:a16="http://schemas.microsoft.com/office/drawing/2014/main" id="{F48475CB-87DA-483E-885E-86A9DE3B6E48}"/>
+              </a:ext>
+            </a:extLst>
+          </p:cNvPr>
+          <p:cNvSpPr/>
+          <p:nvPr/>
+        </p:nvSpPr>
+        <p:spPr>
+          <a:xfrm>
+            <a:off x="3984506" y="5255909"/>
+            <a:ext cx="1040906" cy="236841"/>
+          </a:xfrm>
+          <a:prstGeom prst="rect">
+            <a:avLst/>
+          </a:prstGeom>
+          <a:ln w="19050">
+            <a:solidFill>
+              <a:schemeClr val="accent3"/>
+            </a:solidFill>
+          </a:ln>
+          <a:effectLst/>
+        </p:spPr>
+        <p:style>
+          <a:lnRef idx="1">
+            <a:schemeClr val="accent3"/>
+          </a:lnRef>
+          <a:fillRef idx="2">
+            <a:schemeClr val="accent3"/>
+          </a:fillRef>
+          <a:effectRef idx="1">
+            <a:schemeClr val="accent3"/>
+          </a:effectRef>
+          <a:fontRef idx="minor">
+            <a:schemeClr val="dk1"/>
+          </a:fontRef>
+        </p:style>
+        <p:txBody>
+          <a:bodyPr rtlCol="0" anchor="ctr"/>
+          <a:lstStyle/>
+          <a:p>
+            <a:pPr algn="ctr"/>
+            <a:r>
+              <a:rPr lang="en-US" sz="1050" b="1" dirty="0" err="1">
+                <a:solidFill>
+                  <a:schemeClr val="accent3">
+                    <a:lumMod val="75000"/>
+                  </a:schemeClr>
+                </a:solidFill>
+              </a:rPr>
+              <a:t>ModuleCard</a:t>
+            </a:r>
+            <a:endParaRPr lang="en-SG" sz="1050" b="1" dirty="0">
+              <a:solidFill>
+                <a:schemeClr val="accent3">
+                  <a:lumMod val="75000"/>
+                </a:schemeClr>
+              </a:solidFill>
+            </a:endParaRPr>
+          </a:p>
+        </p:txBody>
+      </p:sp>
+      <p:cxnSp>
+        <p:nvCxnSpPr>
+          <p:cNvPr id="86" name="Elbow Connector 136">
+            <a:extLst>
+              <a:ext uri="{FF2B5EF4-FFF2-40B4-BE49-F238E27FC236}">
+                <a16:creationId xmlns:a16="http://schemas.microsoft.com/office/drawing/2014/main" id="{11ED1102-D229-43D2-8600-ACFAF5C8FAB5}"/>
+              </a:ext>
+            </a:extLst>
+          </p:cNvPr>
+          <p:cNvCxnSpPr>
+            <a:cxnSpLocks/>
+            <a:stCxn id="36" idx="2"/>
+            <a:endCxn id="85" idx="1"/>
+          </p:cNvCxnSpPr>
+          <p:nvPr/>
+        </p:nvCxnSpPr>
+        <p:spPr>
+          <a:xfrm rot="16200000" flipH="1">
+            <a:off x="3504605" y="4894428"/>
+            <a:ext cx="137277" cy="822526"/>
+          </a:xfrm>
+          <a:prstGeom prst="bentConnector2">
+            <a:avLst/>
+          </a:prstGeom>
+          <a:ln w="19050">
+            <a:solidFill>
+              <a:schemeClr val="accent3"/>
+            </a:solidFill>
+            <a:headEnd type="none" w="med" len="med"/>
+            <a:tailEnd type="arrow" w="med" len="med"/>
+          </a:ln>
+          <a:effectLst/>
+        </p:spPr>
+        <p:style>
+          <a:lnRef idx="1">
+            <a:schemeClr val="accent2"/>
+          </a:lnRef>
+          <a:fillRef idx="2">
+            <a:schemeClr val="accent2"/>
+          </a:fillRef>
+          <a:effectRef idx="1">
+            <a:schemeClr val="accent2"/>
+          </a:effectRef>
+          <a:fontRef idx="minor">
+            <a:schemeClr val="dk1"/>
+          </a:fontRef>
+        </p:style>
+      </p:cxnSp>
+      <p:sp>
+        <p:nvSpPr>
+          <p:cNvPr id="87" name="Freeform 117">
+            <a:extLst>
+              <a:ext uri="{FF2B5EF4-FFF2-40B4-BE49-F238E27FC236}">
+                <a16:creationId xmlns:a16="http://schemas.microsoft.com/office/drawing/2014/main" id="{8220483F-324D-4CF4-93EA-B08DF011F310}"/>
+              </a:ext>
+            </a:extLst>
+          </p:cNvPr>
+          <p:cNvSpPr/>
+          <p:nvPr/>
+        </p:nvSpPr>
+        <p:spPr>
+          <a:xfrm flipV="1">
+            <a:off x="4104919" y="5495925"/>
+            <a:ext cx="2648287" cy="102504"/>
+          </a:xfrm>
+          <a:custGeom>
+            <a:avLst/>
+            <a:gdLst>
+              <a:gd name="connsiteX0" fmla="*/ 0 w 3048000"/>
+              <a:gd name="connsiteY0" fmla="*/ 203200 h 203200"/>
+              <a:gd name="connsiteX1" fmla="*/ 221673 w 3048000"/>
+              <a:gd name="connsiteY1" fmla="*/ 0 h 203200"/>
+              <a:gd name="connsiteX2" fmla="*/ 3048000 w 3048000"/>
+              <a:gd name="connsiteY2" fmla="*/ 0 h 203200"/>
+            </a:gdLst>
+            <a:ahLst/>
+            <a:cxnLst>
+              <a:cxn ang="0">
+                <a:pos x="connsiteX0" y="connsiteY0"/>
+              </a:cxn>
+              <a:cxn ang="0">
+                <a:pos x="connsiteX1" y="connsiteY1"/>
+              </a:cxn>
+              <a:cxn ang="0">
+                <a:pos x="connsiteX2" y="connsiteY2"/>
+              </a:cxn>
+            </a:cxnLst>
+            <a:rect l="l" t="t" r="r" b="b"/>
+            <a:pathLst>
+              <a:path w="3048000" h="203200">
+                <a:moveTo>
+                  <a:pt x="0" y="203200"/>
+                </a:moveTo>
+                <a:lnTo>
+                  <a:pt x="221673" y="0"/>
+                </a:lnTo>
+                <a:lnTo>
+                  <a:pt x="3048000" y="0"/>
+                </a:lnTo>
+              </a:path>
+            </a:pathLst>
+          </a:custGeom>
+          <a:noFill/>
+          <a:ln w="19050">
+            <a:solidFill>
+              <a:schemeClr val="accent3"/>
+            </a:solidFill>
+            <a:prstDash val="sysDot"/>
+            <a:headEnd type="none" w="med" len="med"/>
+            <a:tailEnd type="arrow" w="med" len="med"/>
+          </a:ln>
+          <a:effectLst/>
+        </p:spPr>
+        <p:style>
+          <a:lnRef idx="1">
+            <a:schemeClr val="accent2"/>
+          </a:lnRef>
+          <a:fillRef idx="2">
+            <a:schemeClr val="accent2"/>
+          </a:fillRef>
+          <a:effectRef idx="1">
+            <a:schemeClr val="accent2"/>
+          </a:effectRef>
+          <a:fontRef idx="minor">
+            <a:schemeClr val="dk1"/>
+          </a:fontRef>
+        </p:style>
+        <p:txBody>
+          <a:bodyPr rtlCol="0" anchor="ctr"/>
+          <a:lstStyle/>
+          <a:p>
+            <a:pPr algn="ctr"/>
+            <a:endParaRPr lang="en-SG"/>
+          </a:p>
+        </p:txBody>
+      </p:sp>
+      <p:sp>
+        <p:nvSpPr>
+          <p:cNvPr id="89" name="Rectangle 11">
+            <a:extLst>
+              <a:ext uri="{FF2B5EF4-FFF2-40B4-BE49-F238E27FC236}">
+                <a16:creationId xmlns:a16="http://schemas.microsoft.com/office/drawing/2014/main" id="{31B5B1CC-7E59-4282-B674-75643074936B}"/>
+              </a:ext>
+            </a:extLst>
+          </p:cNvPr>
+          <p:cNvSpPr/>
+          <p:nvPr/>
+        </p:nvSpPr>
+        <p:spPr>
+          <a:xfrm>
+            <a:off x="3953621" y="4646309"/>
+            <a:ext cx="1040906" cy="236841"/>
+          </a:xfrm>
+          <a:prstGeom prst="rect">
+            <a:avLst/>
+          </a:prstGeom>
+          <a:ln w="19050">
+            <a:solidFill>
+              <a:schemeClr val="accent3"/>
+            </a:solidFill>
+          </a:ln>
+          <a:effectLst/>
+        </p:spPr>
+        <p:style>
+          <a:lnRef idx="1">
+            <a:schemeClr val="accent3"/>
+          </a:lnRef>
+          <a:fillRef idx="2">
+            <a:schemeClr val="accent3"/>
+          </a:fillRef>
+          <a:effectRef idx="1">
+            <a:schemeClr val="accent3"/>
+          </a:effectRef>
+          <a:fontRef idx="minor">
+            <a:schemeClr val="dk1"/>
+          </a:fontRef>
+        </p:style>
+        <p:txBody>
+          <a:bodyPr rtlCol="0" anchor="ctr"/>
+          <a:lstStyle/>
+          <a:p>
+            <a:pPr algn="ctr"/>
+            <a:r>
+              <a:rPr lang="en-US" sz="1050" b="1" dirty="0" err="1">
+                <a:solidFill>
+                  <a:schemeClr val="accent3">
+                    <a:lumMod val="75000"/>
+                  </a:schemeClr>
+                </a:solidFill>
+              </a:rPr>
+              <a:t>ModuleCard</a:t>
+            </a:r>
+            <a:endParaRPr lang="en-SG" sz="1050" b="1" dirty="0">
+              <a:solidFill>
+                <a:schemeClr val="accent3">
+                  <a:lumMod val="75000"/>
+                </a:schemeClr>
+              </a:solidFill>
+            </a:endParaRPr>
+          </a:p>
+        </p:txBody>
+      </p:sp>
+      <p:cxnSp>
+        <p:nvCxnSpPr>
+          <p:cNvPr id="90" name="Elbow Connector 136">
+            <a:extLst>
+              <a:ext uri="{FF2B5EF4-FFF2-40B4-BE49-F238E27FC236}">
+                <a16:creationId xmlns:a16="http://schemas.microsoft.com/office/drawing/2014/main" id="{C06AD37F-09EE-4339-91C7-0F291656FF58}"/>
+              </a:ext>
+            </a:extLst>
+          </p:cNvPr>
+          <p:cNvCxnSpPr>
+            <a:cxnSpLocks/>
+            <a:stCxn id="46" idx="2"/>
+            <a:endCxn id="89" idx="1"/>
+          </p:cNvCxnSpPr>
+          <p:nvPr/>
+        </p:nvCxnSpPr>
+        <p:spPr>
+          <a:xfrm rot="16200000" flipH="1">
+            <a:off x="3486971" y="4298080"/>
+            <a:ext cx="141658" cy="791642"/>
+          </a:xfrm>
+          <a:prstGeom prst="bentConnector2">
+            <a:avLst/>
+          </a:prstGeom>
+          <a:ln w="19050">
+            <a:solidFill>
+              <a:schemeClr val="accent3"/>
+            </a:solidFill>
+            <a:headEnd type="none" w="med" len="med"/>
+            <a:tailEnd type="arrow" w="med" len="med"/>
+          </a:ln>
+          <a:effectLst/>
+        </p:spPr>
+        <p:style>
+          <a:lnRef idx="1">
+            <a:schemeClr val="accent2"/>
+          </a:lnRef>
+          <a:fillRef idx="2">
+            <a:schemeClr val="accent2"/>
+          </a:fillRef>
+          <a:effectRef idx="1">
+            <a:schemeClr val="accent2"/>
+          </a:effectRef>
+          <a:fontRef idx="minor">
+            <a:schemeClr val="dk1"/>
+          </a:fontRef>
+        </p:style>
+      </p:cxnSp>
+      <p:sp>
+        <p:nvSpPr>
+          <p:cNvPr id="92" name="Freeform 117">
+            <a:extLst>
+              <a:ext uri="{FF2B5EF4-FFF2-40B4-BE49-F238E27FC236}">
+                <a16:creationId xmlns:a16="http://schemas.microsoft.com/office/drawing/2014/main" id="{F6B838C7-B9B0-41C7-B74F-06B886E406B7}"/>
+              </a:ext>
+            </a:extLst>
+          </p:cNvPr>
+          <p:cNvSpPr/>
+          <p:nvPr/>
+        </p:nvSpPr>
+        <p:spPr>
+          <a:xfrm flipV="1">
+            <a:off x="4074034" y="4886325"/>
+            <a:ext cx="2648287" cy="102504"/>
+          </a:xfrm>
+          <a:custGeom>
+            <a:avLst/>
+            <a:gdLst>
+              <a:gd name="connsiteX0" fmla="*/ 0 w 3048000"/>
+              <a:gd name="connsiteY0" fmla="*/ 203200 h 203200"/>
+              <a:gd name="connsiteX1" fmla="*/ 221673 w 3048000"/>
+              <a:gd name="connsiteY1" fmla="*/ 0 h 203200"/>
+              <a:gd name="connsiteX2" fmla="*/ 3048000 w 3048000"/>
+              <a:gd name="connsiteY2" fmla="*/ 0 h 203200"/>
+            </a:gdLst>
+            <a:ahLst/>
+            <a:cxnLst>
+              <a:cxn ang="0">
+                <a:pos x="connsiteX0" y="connsiteY0"/>
+              </a:cxn>
+              <a:cxn ang="0">
+                <a:pos x="connsiteX1" y="connsiteY1"/>
+              </a:cxn>
+              <a:cxn ang="0">
+                <a:pos x="connsiteX2" y="connsiteY2"/>
+              </a:cxn>
+            </a:cxnLst>
+            <a:rect l="l" t="t" r="r" b="b"/>
+            <a:pathLst>
+              <a:path w="3048000" h="203200">
+                <a:moveTo>
+                  <a:pt x="0" y="203200"/>
+                </a:moveTo>
+                <a:lnTo>
+                  <a:pt x="221673" y="0"/>
+                </a:lnTo>
+                <a:lnTo>
+                  <a:pt x="3048000" y="0"/>
+                </a:lnTo>
+              </a:path>
+            </a:pathLst>
+          </a:custGeom>
+          <a:noFill/>
+          <a:ln w="19050">
+            <a:solidFill>
+              <a:schemeClr val="accent3"/>
+            </a:solidFill>
+            <a:prstDash val="sysDot"/>
+            <a:headEnd type="none" w="med" len="med"/>
+            <a:tailEnd type="arrow" w="med" len="med"/>
+          </a:ln>
+          <a:effectLst/>
+        </p:spPr>
+        <p:style>
+          <a:lnRef idx="1">
+            <a:schemeClr val="accent2"/>
+          </a:lnRef>
+          <a:fillRef idx="2">
+            <a:schemeClr val="accent2"/>
+          </a:fillRef>
+          <a:effectRef idx="1">
+            <a:schemeClr val="accent2"/>
+          </a:effectRef>
+          <a:fontRef idx="minor">
+            <a:schemeClr val="dk1"/>
+          </a:fontRef>
+        </p:style>
+        <p:txBody>
+          <a:bodyPr rtlCol="0" anchor="ctr"/>
+          <a:lstStyle/>
+          <a:p>
+            <a:pPr algn="ctr"/>
+            <a:endParaRPr lang="en-SG"/>
+          </a:p>
+        </p:txBody>
+      </p:sp>
+      <p:cxnSp>
+        <p:nvCxnSpPr>
+          <p:cNvPr id="96" name="Elbow Connector 63">
+            <a:extLst>
+              <a:ext uri="{FF2B5EF4-FFF2-40B4-BE49-F238E27FC236}">
+                <a16:creationId xmlns:a16="http://schemas.microsoft.com/office/drawing/2014/main" id="{BF2E4B70-8364-4E96-B063-85809CC1F8F7}"/>
+              </a:ext>
+            </a:extLst>
+          </p:cNvPr>
+          <p:cNvCxnSpPr>
+            <a:cxnSpLocks/>
+            <a:stCxn id="16" idx="3"/>
+            <a:endCxn id="85" idx="3"/>
+          </p:cNvCxnSpPr>
+          <p:nvPr/>
+        </p:nvCxnSpPr>
+        <p:spPr>
+          <a:xfrm rot="5400000">
+            <a:off x="3086694" y="2929320"/>
+            <a:ext cx="4383728" cy="506292"/>
+          </a:xfrm>
+          <a:prstGeom prst="bentConnector2">
+            <a:avLst/>
+          </a:prstGeom>
+          <a:ln w="6350">
+            <a:solidFill>
+              <a:schemeClr val="accent3"/>
+            </a:solidFill>
+            <a:headEnd type="none" w="med" len="med"/>
+            <a:tailEnd type="none" w="med" len="med"/>
+          </a:ln>
+          <a:effectLst/>
+        </p:spPr>
+        <p:style>
+          <a:lnRef idx="1">
+            <a:schemeClr val="accent2"/>
+          </a:lnRef>
+          <a:fillRef idx="2">
+            <a:schemeClr val="accent2"/>
+          </a:fillRef>
+          <a:effectRef idx="1">
+            <a:schemeClr val="accent2"/>
+          </a:effectRef>
+          <a:fontRef idx="minor">
+            <a:schemeClr val="dk1"/>
+          </a:fontRef>
+        </p:style>
+      </p:cxnSp>
+      <p:cxnSp>
+        <p:nvCxnSpPr>
+          <p:cNvPr id="98" name="Elbow Connector 63">
+            <a:extLst>
+              <a:ext uri="{FF2B5EF4-FFF2-40B4-BE49-F238E27FC236}">
+                <a16:creationId xmlns:a16="http://schemas.microsoft.com/office/drawing/2014/main" id="{D8AEA8E3-6ABF-4B54-A193-AAD89676B953}"/>
+              </a:ext>
+            </a:extLst>
+          </p:cNvPr>
+          <p:cNvCxnSpPr>
+            <a:cxnSpLocks/>
+            <a:stCxn id="16" idx="3"/>
+            <a:endCxn id="89" idx="3"/>
+          </p:cNvCxnSpPr>
+          <p:nvPr/>
+        </p:nvCxnSpPr>
+        <p:spPr>
+          <a:xfrm rot="5400000">
+            <a:off x="3376052" y="2609078"/>
+            <a:ext cx="3774128" cy="537177"/>
+          </a:xfrm>
+          <a:prstGeom prst="bentConnector2">
+            <a:avLst/>
+          </a:prstGeom>
+          <a:ln w="6350">
+            <a:solidFill>
+              <a:schemeClr val="accent3"/>
+            </a:solidFill>
+            <a:headEnd type="none" w="med" len="med"/>
+            <a:tailEnd type="none" w="med" len="med"/>
+          </a:ln>
+          <a:effectLst/>
+        </p:spPr>
+        <p:style>
+          <a:lnRef idx="1">
+            <a:schemeClr val="accent2"/>
+          </a:lnRef>
+          <a:fillRef idx="2">
+            <a:schemeClr val="accent2"/>
+          </a:fillRef>
+          <a:effectRef idx="1">
+            <a:schemeClr val="accent2"/>
+          </a:effectRef>
+          <a:fontRef idx="minor">
+            <a:schemeClr val="dk1"/>
+          </a:fontRef>
+        </p:style>
+      </p:cxnSp>
+      <p:sp>
+        <p:nvSpPr>
+          <p:cNvPr id="99" name="Rectangle 11">
+            <a:extLst>
+              <a:ext uri="{FF2B5EF4-FFF2-40B4-BE49-F238E27FC236}">
+                <a16:creationId xmlns:a16="http://schemas.microsoft.com/office/drawing/2014/main" id="{A45D095A-FFAF-47BE-8FF1-58BEBDDFC416}"/>
+              </a:ext>
+            </a:extLst>
+          </p:cNvPr>
+          <p:cNvSpPr/>
+          <p:nvPr/>
+        </p:nvSpPr>
+        <p:spPr>
+          <a:xfrm>
+            <a:off x="2589508" y="3802476"/>
+            <a:ext cx="1147109" cy="238056"/>
+          </a:xfrm>
+          <a:prstGeom prst="rect">
+            <a:avLst/>
+          </a:prstGeom>
+          <a:ln w="19050">
+            <a:solidFill>
+              <a:schemeClr val="accent3"/>
+            </a:solidFill>
+          </a:ln>
+          <a:effectLst/>
+        </p:spPr>
+        <p:style>
+          <a:lnRef idx="1">
+            <a:schemeClr val="accent3"/>
+          </a:lnRef>
+          <a:fillRef idx="2">
+            <a:schemeClr val="accent3"/>
+          </a:fillRef>
+          <a:effectRef idx="1">
+            <a:schemeClr val="accent3"/>
+          </a:effectRef>
+          <a:fontRef idx="minor">
+            <a:schemeClr val="dk1"/>
+          </a:fontRef>
+        </p:style>
+        <p:txBody>
+          <a:bodyPr rtlCol="0" anchor="ctr"/>
+          <a:lstStyle/>
+          <a:p>
+            <a:pPr algn="ctr"/>
+            <a:r>
+              <a:rPr lang="en-US" sz="1050" b="1" dirty="0" err="1">
+                <a:solidFill>
+                  <a:schemeClr val="accent3">
+                    <a:lumMod val="75000"/>
+                  </a:schemeClr>
+                </a:solidFill>
+              </a:rPr>
+              <a:t>UserDisplay</a:t>
+            </a:r>
+            <a:endParaRPr lang="en-SG" sz="1050" b="1" dirty="0">
+              <a:solidFill>
+                <a:schemeClr val="accent3">
+                  <a:lumMod val="75000"/>
+                </a:schemeClr>
+              </a:solidFill>
+            </a:endParaRPr>
+          </a:p>
+        </p:txBody>
+      </p:sp>
+      <p:sp>
+        <p:nvSpPr>
+          <p:cNvPr id="100" name="Rectangle 11">
+            <a:extLst>
+              <a:ext uri="{FF2B5EF4-FFF2-40B4-BE49-F238E27FC236}">
+                <a16:creationId xmlns:a16="http://schemas.microsoft.com/office/drawing/2014/main" id="{27DBA943-8A62-45C8-B06F-C1DCB8AAE489}"/>
+              </a:ext>
+            </a:extLst>
+          </p:cNvPr>
+          <p:cNvSpPr/>
+          <p:nvPr/>
+        </p:nvSpPr>
+        <p:spPr>
+          <a:xfrm>
+            <a:off x="3954705" y="4063769"/>
+            <a:ext cx="1040906" cy="236841"/>
+          </a:xfrm>
+          <a:prstGeom prst="rect">
+            <a:avLst/>
+          </a:prstGeom>
+          <a:ln w="19050">
+            <a:solidFill>
+              <a:schemeClr val="accent3"/>
+            </a:solidFill>
+          </a:ln>
+          <a:effectLst/>
+        </p:spPr>
+        <p:style>
+          <a:lnRef idx="1">
+            <a:schemeClr val="accent3"/>
+          </a:lnRef>
+          <a:fillRef idx="2">
+            <a:schemeClr val="accent3"/>
+          </a:fillRef>
+          <a:effectRef idx="1">
+            <a:schemeClr val="accent3"/>
+          </a:effectRef>
+          <a:fontRef idx="minor">
+            <a:schemeClr val="dk1"/>
+          </a:fontRef>
+        </p:style>
+        <p:txBody>
+          <a:bodyPr rtlCol="0" anchor="ctr"/>
+          <a:lstStyle/>
+          <a:p>
+            <a:pPr algn="ctr"/>
+            <a:r>
+              <a:rPr lang="en-US" sz="1050" b="1" dirty="0" err="1">
+                <a:solidFill>
+                  <a:schemeClr val="accent3">
+                    <a:lumMod val="75000"/>
+                  </a:schemeClr>
+                </a:solidFill>
+              </a:rPr>
+              <a:t>UsernameCard</a:t>
+            </a:r>
+            <a:endParaRPr lang="en-SG" sz="1050" b="1" dirty="0">
+              <a:solidFill>
+                <a:schemeClr val="accent3">
+                  <a:lumMod val="75000"/>
+                </a:schemeClr>
+              </a:solidFill>
+            </a:endParaRPr>
+          </a:p>
+        </p:txBody>
+      </p:sp>
+      <p:sp>
+        <p:nvSpPr>
+          <p:cNvPr id="101" name="Freeform 117">
+            <a:extLst>
+              <a:ext uri="{FF2B5EF4-FFF2-40B4-BE49-F238E27FC236}">
+                <a16:creationId xmlns:a16="http://schemas.microsoft.com/office/drawing/2014/main" id="{A1A90455-A97F-4822-93EA-C104426C4830}"/>
+              </a:ext>
+            </a:extLst>
+          </p:cNvPr>
+          <p:cNvSpPr/>
+          <p:nvPr/>
+        </p:nvSpPr>
+        <p:spPr>
+          <a:xfrm flipV="1">
+            <a:off x="4075118" y="4303785"/>
+            <a:ext cx="2648287" cy="102504"/>
+          </a:xfrm>
+          <a:custGeom>
+            <a:avLst/>
+            <a:gdLst>
+              <a:gd name="connsiteX0" fmla="*/ 0 w 3048000"/>
+              <a:gd name="connsiteY0" fmla="*/ 203200 h 203200"/>
+              <a:gd name="connsiteX1" fmla="*/ 221673 w 3048000"/>
+              <a:gd name="connsiteY1" fmla="*/ 0 h 203200"/>
+              <a:gd name="connsiteX2" fmla="*/ 3048000 w 3048000"/>
+              <a:gd name="connsiteY2" fmla="*/ 0 h 203200"/>
+            </a:gdLst>
+            <a:ahLst/>
+            <a:cxnLst>
+              <a:cxn ang="0">
+                <a:pos x="connsiteX0" y="connsiteY0"/>
+              </a:cxn>
+              <a:cxn ang="0">
+                <a:pos x="connsiteX1" y="connsiteY1"/>
+              </a:cxn>
+              <a:cxn ang="0">
+                <a:pos x="connsiteX2" y="connsiteY2"/>
+              </a:cxn>
+            </a:cxnLst>
+            <a:rect l="l" t="t" r="r" b="b"/>
+            <a:pathLst>
+              <a:path w="3048000" h="203200">
+                <a:moveTo>
+                  <a:pt x="0" y="203200"/>
+                </a:moveTo>
+                <a:lnTo>
+                  <a:pt x="221673" y="0"/>
+                </a:lnTo>
+                <a:lnTo>
+                  <a:pt x="3048000" y="0"/>
+                </a:lnTo>
+              </a:path>
+            </a:pathLst>
+          </a:custGeom>
+          <a:noFill/>
+          <a:ln w="19050">
+            <a:solidFill>
+              <a:schemeClr val="accent3"/>
+            </a:solidFill>
+            <a:prstDash val="sysDot"/>
+            <a:headEnd type="none" w="med" len="med"/>
+            <a:tailEnd type="arrow" w="med" len="med"/>
+          </a:ln>
+          <a:effectLst/>
+        </p:spPr>
+        <p:style>
+          <a:lnRef idx="1">
+            <a:schemeClr val="accent2"/>
+          </a:lnRef>
+          <a:fillRef idx="2">
+            <a:schemeClr val="accent2"/>
+          </a:fillRef>
+          <a:effectRef idx="1">
+            <a:schemeClr val="accent2"/>
+          </a:effectRef>
+          <a:fontRef idx="minor">
+            <a:schemeClr val="dk1"/>
+          </a:fontRef>
+        </p:style>
+        <p:txBody>
+          <a:bodyPr rtlCol="0" anchor="ctr"/>
+          <a:lstStyle/>
+          <a:p>
+            <a:pPr algn="ctr"/>
+            <a:endParaRPr lang="en-SG"/>
+          </a:p>
+        </p:txBody>
+      </p:sp>
+      <p:cxnSp>
+        <p:nvCxnSpPr>
+          <p:cNvPr id="102" name="Elbow Connector 136">
+            <a:extLst>
+              <a:ext uri="{FF2B5EF4-FFF2-40B4-BE49-F238E27FC236}">
+                <a16:creationId xmlns:a16="http://schemas.microsoft.com/office/drawing/2014/main" id="{9862358A-DF48-47FC-960A-42849487C737}"/>
+              </a:ext>
+            </a:extLst>
+          </p:cNvPr>
+          <p:cNvCxnSpPr>
+            <a:cxnSpLocks/>
+            <a:stCxn id="99" idx="2"/>
+            <a:endCxn id="100" idx="1"/>
+          </p:cNvCxnSpPr>
+          <p:nvPr/>
+        </p:nvCxnSpPr>
+        <p:spPr>
+          <a:xfrm rot="16200000" flipH="1">
+            <a:off x="3488055" y="3715540"/>
+            <a:ext cx="141658" cy="791642"/>
+          </a:xfrm>
+          <a:prstGeom prst="bentConnector2">
+            <a:avLst/>
+          </a:prstGeom>
+          <a:ln w="19050">
+            <a:solidFill>
+              <a:schemeClr val="accent3"/>
+            </a:solidFill>
+            <a:headEnd type="none" w="med" len="med"/>
+            <a:tailEnd type="arrow" w="med" len="med"/>
+          </a:ln>
+          <a:effectLst/>
+        </p:spPr>
+        <p:style>
+          <a:lnRef idx="1">
+            <a:schemeClr val="accent2"/>
+          </a:lnRef>
+          <a:fillRef idx="2">
+            <a:schemeClr val="accent2"/>
+          </a:fillRef>
+          <a:effectRef idx="1">
+            <a:schemeClr val="accent2"/>
+          </a:effectRef>
+          <a:fontRef idx="minor">
+            <a:schemeClr val="dk1"/>
+          </a:fontRef>
+        </p:style>
+      </p:cxnSp>
+      <p:cxnSp>
+        <p:nvCxnSpPr>
+          <p:cNvPr id="103" name="Elbow Connector 63">
+            <a:extLst>
+              <a:ext uri="{FF2B5EF4-FFF2-40B4-BE49-F238E27FC236}">
+                <a16:creationId xmlns:a16="http://schemas.microsoft.com/office/drawing/2014/main" id="{72C9AB23-F6B9-4631-91E0-C6D4C8C1649E}"/>
+              </a:ext>
+            </a:extLst>
+          </p:cNvPr>
+          <p:cNvCxnSpPr>
+            <a:cxnSpLocks/>
+            <a:stCxn id="16" idx="3"/>
+            <a:endCxn id="100" idx="3"/>
+          </p:cNvCxnSpPr>
+          <p:nvPr/>
+        </p:nvCxnSpPr>
+        <p:spPr>
+          <a:xfrm rot="5400000">
+            <a:off x="3667864" y="2318350"/>
+            <a:ext cx="3191588" cy="536093"/>
+          </a:xfrm>
+          <a:prstGeom prst="bentConnector2">
+            <a:avLst/>
+          </a:prstGeom>
+          <a:ln w="6350">
+            <a:solidFill>
+              <a:schemeClr val="accent3"/>
+            </a:solidFill>
+            <a:headEnd type="none" w="med" len="med"/>
+            <a:tailEnd type="none" w="med" len="med"/>
+          </a:ln>
+          <a:effectLst/>
+        </p:spPr>
+        <p:style>
+          <a:lnRef idx="1">
+            <a:schemeClr val="accent2"/>
+          </a:lnRef>
+          <a:fillRef idx="2">
+            <a:schemeClr val="accent2"/>
+          </a:fillRef>
+          <a:effectRef idx="1">
+            <a:schemeClr val="accent2"/>
+          </a:effectRef>
+          <a:fontRef idx="minor">
+            <a:schemeClr val="dk1"/>
+          </a:fontRef>
+        </p:style>
+      </p:cxnSp>
+      <p:cxnSp>
+        <p:nvCxnSpPr>
+          <p:cNvPr id="108" name="Elbow Connector 63">
+            <a:extLst>
+              <a:ext uri="{FF2B5EF4-FFF2-40B4-BE49-F238E27FC236}">
+                <a16:creationId xmlns:a16="http://schemas.microsoft.com/office/drawing/2014/main" id="{2ABCB23B-D818-447B-A877-AA465F5D4F7F}"/>
+              </a:ext>
+            </a:extLst>
+          </p:cNvPr>
+          <p:cNvCxnSpPr>
+            <a:cxnSpLocks/>
+            <a:stCxn id="16" idx="3"/>
+            <a:endCxn id="99" idx="3"/>
+          </p:cNvCxnSpPr>
+          <p:nvPr/>
+        </p:nvCxnSpPr>
+        <p:spPr>
+          <a:xfrm rot="5400000">
+            <a:off x="3168710" y="1558510"/>
+            <a:ext cx="2930902" cy="1795087"/>
+          </a:xfrm>
+          <a:prstGeom prst="bentConnector2">
+            <a:avLst/>
+          </a:prstGeom>
+          <a:ln w="6350">
+            <a:solidFill>
+              <a:schemeClr val="accent3"/>
+            </a:solidFill>
+            <a:headEnd type="none" w="med" len="med"/>
+            <a:tailEnd type="none" w="med" len="med"/>
+          </a:ln>
+          <a:effectLst/>
+        </p:spPr>
+        <p:style>
+          <a:lnRef idx="1">
+            <a:schemeClr val="accent2"/>
+          </a:lnRef>
+          <a:fillRef idx="2">
+            <a:schemeClr val="accent2"/>
+          </a:fillRef>
+          <a:effectRef idx="1">
+            <a:schemeClr val="accent2"/>
+          </a:effectRef>
+          <a:fontRef idx="minor">
+            <a:schemeClr val="dk1"/>
+          </a:fontRef>
+        </p:style>
+      </p:cxnSp>
+      <p:cxnSp>
+        <p:nvCxnSpPr>
+          <p:cNvPr id="110" name="Elbow Connector 63">
+            <a:extLst>
+              <a:ext uri="{FF2B5EF4-FFF2-40B4-BE49-F238E27FC236}">
+                <a16:creationId xmlns:a16="http://schemas.microsoft.com/office/drawing/2014/main" id="{24070CED-D0BB-4D1C-B581-0FCDC54B014D}"/>
+              </a:ext>
+            </a:extLst>
+          </p:cNvPr>
+          <p:cNvCxnSpPr>
+            <a:cxnSpLocks/>
+            <a:endCxn id="99" idx="1"/>
+          </p:cNvCxnSpPr>
+          <p:nvPr/>
+        </p:nvCxnSpPr>
+        <p:spPr>
+          <a:xfrm rot="16200000" flipH="1">
+            <a:off x="1789391" y="3121387"/>
+            <a:ext cx="1428584" cy="171650"/>
+          </a:xfrm>
+          <a:prstGeom prst="bentConnector2">
+            <a:avLst/>
+          </a:prstGeom>
+          <a:ln w="19050">
+            <a:solidFill>
+              <a:schemeClr val="accent3"/>
+            </a:solidFill>
+            <a:headEnd type="none" w="med" len="med"/>
+            <a:tailEnd type="arrow" w="med" len="med"/>
+          </a:ln>
+          <a:effectLst/>
+        </p:spPr>
+        <p:style>
+          <a:lnRef idx="1">
+            <a:schemeClr val="accent2"/>
+          </a:lnRef>
+          <a:fillRef idx="2">
+            <a:schemeClr val="accent2"/>
+          </a:fillRef>
+          <a:effectRef idx="1">
+            <a:schemeClr val="accent2"/>
+          </a:effectRef>
+          <a:fontRef idx="minor">
+            <a:schemeClr val="dk1"/>
+          </a:fontRef>
+        </p:style>
+      </p:cxnSp>
+      <p:sp>
+        <p:nvSpPr>
+          <p:cNvPr id="122" name="Rectangle 11">
+            <a:extLst>
+              <a:ext uri="{FF2B5EF4-FFF2-40B4-BE49-F238E27FC236}">
+                <a16:creationId xmlns:a16="http://schemas.microsoft.com/office/drawing/2014/main" id="{3C867D3D-478C-456E-993D-D64A032DE916}"/>
+              </a:ext>
+            </a:extLst>
+          </p:cNvPr>
+          <p:cNvSpPr/>
+          <p:nvPr/>
+        </p:nvSpPr>
+        <p:spPr>
+          <a:xfrm>
+            <a:off x="2575228" y="3316447"/>
+            <a:ext cx="1141270" cy="236841"/>
+          </a:xfrm>
+          <a:prstGeom prst="rect">
+            <a:avLst/>
+          </a:prstGeom>
+          <a:ln w="19050">
+            <a:solidFill>
+              <a:schemeClr val="accent3"/>
+            </a:solidFill>
+          </a:ln>
+          <a:effectLst/>
+        </p:spPr>
+        <p:style>
+          <a:lnRef idx="1">
+            <a:schemeClr val="accent3"/>
+          </a:lnRef>
+          <a:fillRef idx="2">
+            <a:schemeClr val="accent3"/>
+          </a:fillRef>
+          <a:effectRef idx="1">
+            <a:schemeClr val="accent3"/>
+          </a:effectRef>
+          <a:fontRef idx="minor">
+            <a:schemeClr val="dk1"/>
+          </a:fontRef>
+        </p:style>
+        <p:txBody>
+          <a:bodyPr rtlCol="0" anchor="ctr"/>
+          <a:lstStyle/>
+          <a:p>
+            <a:pPr algn="ctr"/>
+            <a:r>
+              <a:rPr lang="en-US" sz="1050" b="1" dirty="0" err="1">
+                <a:solidFill>
+                  <a:schemeClr val="accent3">
+                    <a:lumMod val="75000"/>
+                  </a:schemeClr>
+                </a:solidFill>
+              </a:rPr>
+              <a:t>UserTab</a:t>
+            </a:r>
+            <a:endParaRPr lang="en-SG" sz="1050" b="1" dirty="0">
+              <a:solidFill>
+                <a:schemeClr val="accent3">
+                  <a:lumMod val="75000"/>
+                </a:schemeClr>
+              </a:solidFill>
+            </a:endParaRPr>
+          </a:p>
+        </p:txBody>
+      </p:sp>
+      <p:cxnSp>
+        <p:nvCxnSpPr>
+          <p:cNvPr id="123" name="Elbow Connector 63">
+            <a:extLst>
+              <a:ext uri="{FF2B5EF4-FFF2-40B4-BE49-F238E27FC236}">
+                <a16:creationId xmlns:a16="http://schemas.microsoft.com/office/drawing/2014/main" id="{7125CB36-229F-441B-862E-884B4668DE43}"/>
+              </a:ext>
+            </a:extLst>
+          </p:cNvPr>
+          <p:cNvCxnSpPr>
+            <a:cxnSpLocks/>
+            <a:stCxn id="39" idx="2"/>
+            <a:endCxn id="122" idx="1"/>
+          </p:cNvCxnSpPr>
+          <p:nvPr/>
+        </p:nvCxnSpPr>
+        <p:spPr>
+          <a:xfrm rot="16200000" flipH="1">
+            <a:off x="1565424" y="2425063"/>
+            <a:ext cx="1862241" cy="157367"/>
+          </a:xfrm>
+          <a:prstGeom prst="bentConnector2">
+            <a:avLst/>
+          </a:prstGeom>
+          <a:ln w="19050">
+            <a:solidFill>
+              <a:schemeClr val="accent3"/>
+            </a:solidFill>
+            <a:headEnd type="none" w="med" len="med"/>
+            <a:tailEnd type="arrow" w="med" len="med"/>
+          </a:ln>
+          <a:effectLst/>
+        </p:spPr>
+        <p:style>
+          <a:lnRef idx="1">
+            <a:schemeClr val="accent2"/>
+          </a:lnRef>
+          <a:fillRef idx="2">
+            <a:schemeClr val="accent2"/>
+          </a:fillRef>
+          <a:effectRef idx="1">
+            <a:schemeClr val="accent2"/>
+          </a:effectRef>
+          <a:fontRef idx="minor">
+            <a:schemeClr val="dk1"/>
+          </a:fontRef>
+        </p:style>
+      </p:cxnSp>
+      <p:cxnSp>
+        <p:nvCxnSpPr>
+          <p:cNvPr id="124" name="Elbow Connector 63">
+            <a:extLst>
+              <a:ext uri="{FF2B5EF4-FFF2-40B4-BE49-F238E27FC236}">
+                <a16:creationId xmlns:a16="http://schemas.microsoft.com/office/drawing/2014/main" id="{0D50E246-9ED8-42F7-95CF-73C02F4C20A9}"/>
+              </a:ext>
+            </a:extLst>
+          </p:cNvPr>
+          <p:cNvCxnSpPr>
+            <a:cxnSpLocks/>
+            <a:stCxn id="16" idx="3"/>
+            <a:endCxn id="122" idx="3"/>
+          </p:cNvCxnSpPr>
+          <p:nvPr/>
+        </p:nvCxnSpPr>
+        <p:spPr>
+          <a:xfrm rot="5400000">
+            <a:off x="3401968" y="1305132"/>
+            <a:ext cx="2444266" cy="1815206"/>
+          </a:xfrm>
+          <a:prstGeom prst="bentConnector2">
+            <a:avLst/>
+          </a:prstGeom>
+          <a:ln w="6350">
+            <a:solidFill>
+              <a:schemeClr val="accent3"/>
+            </a:solidFill>
+            <a:headEnd type="none" w="med" len="med"/>
+            <a:tailEnd type="none" w="med" len="med"/>
+          </a:ln>
+          <a:effectLst/>
+        </p:spPr>
+        <p:style>
+          <a:lnRef idx="1">
+            <a:schemeClr val="accent2"/>
+          </a:lnRef>
+          <a:fillRef idx="2">
+            <a:schemeClr val="accent2"/>
+          </a:fillRef>
+          <a:effectRef idx="1">
+            <a:schemeClr val="accent2"/>
+          </a:effectRef>
+          <a:fontRef idx="minor">
+            <a:schemeClr val="dk1"/>
+          </a:fontRef>
+        </p:style>
+      </p:cxnSp>
     </p:spTree>
     <p:extLst>
       <p:ext uri="{BB962C8B-B14F-4D97-AF65-F5344CB8AC3E}">
